--- a/PPT/KwonHH/FaceNet and FoveaBox Result.pptx
+++ b/PPT/KwonHH/FaceNet and FoveaBox Result.pptx
@@ -6240,11 +6240,6 @@
               </a:rPr>
               <a:t>2.</a:t>
             </a:r>
-            <a:endParaRPr lang="en-US" altLang="ko-KR" sz="6600" b="1" dirty="0" smtClean="0">
-              <a:solidFill>
-                <a:schemeClr val="bg1"/>
-              </a:solidFill>
-            </a:endParaRPr>
           </a:p>
           <a:p>
             <a:pPr algn="ctr"/>
@@ -7481,8 +7476,62 @@
         </p:blipFill>
         <p:spPr bwMode="auto">
           <a:xfrm>
-            <a:off x="2051720" y="1623760"/>
-            <a:ext cx="3867150" cy="3981450"/>
+            <a:off x="265784" y="2236056"/>
+            <a:ext cx="3117039" cy="3209168"/>
+          </a:xfrm>
+          <a:prstGeom prst="rect">
+            <a:avLst/>
+          </a:prstGeom>
+          <a:noFill/>
+          <a:ln>
+            <a:noFill/>
+          </a:ln>
+          <a:extLst>
+            <a:ext uri="{909E8E84-426E-40DD-AFC4-6F175D3DCCD1}">
+              <a14:hiddenFill xmlns:a14="http://schemas.microsoft.com/office/drawing/2010/main">
+                <a:solidFill>
+                  <a:schemeClr val="accent1"/>
+                </a:solidFill>
+              </a14:hiddenFill>
+            </a:ext>
+            <a:ext uri="{91240B29-F687-4F45-9708-019B960494DF}">
+              <a14:hiddenLine xmlns:a14="http://schemas.microsoft.com/office/drawing/2010/main" w="9525">
+                <a:solidFill>
+                  <a:schemeClr val="tx1"/>
+                </a:solidFill>
+                <a:miter lim="800000"/>
+                <a:headEnd/>
+                <a:tailEnd/>
+              </a14:hiddenLine>
+            </a:ext>
+          </a:extLst>
+        </p:spPr>
+      </p:pic>
+      <p:pic>
+        <p:nvPicPr>
+          <p:cNvPr id="11" name="Picture 3"/>
+          <p:cNvPicPr>
+            <a:picLocks noChangeAspect="1" noChangeArrowheads="1"/>
+          </p:cNvPicPr>
+          <p:nvPr/>
+        </p:nvPicPr>
+        <p:blipFill>
+          <a:blip r:embed="rId4">
+            <a:extLst>
+              <a:ext uri="{28A0092B-C50C-407E-A947-70E740481C1C}">
+                <a14:useLocalDpi xmlns:a14="http://schemas.microsoft.com/office/drawing/2010/main" val="0"/>
+              </a:ext>
+            </a:extLst>
+          </a:blip>
+          <a:srcRect/>
+          <a:stretch>
+            <a:fillRect/>
+          </a:stretch>
+        </p:blipFill>
+        <p:spPr bwMode="auto">
+          <a:xfrm>
+            <a:off x="3635896" y="1821159"/>
+            <a:ext cx="5229939" cy="3892493"/>
           </a:xfrm>
           <a:prstGeom prst="rect">
             <a:avLst/>
